--- a/assignment_1/Assignment_1.pptx
+++ b/assignment_1/Assignment_1.pptx
@@ -9281,7 +9281,7 @@
                 <a:cs typeface="Roboto Mono"/>
                 <a:sym typeface="Roboto Mono"/>
               </a:rPr>
-              <a:t>pip install fastapi, uvicorn, pydantic</a:t>
+              <a:t>pip install fastapi uvicorn pydantic</a:t>
             </a:r>
             <a:endParaRPr i="1">
               <a:solidFill>
